--- a/k2Engine-master/GameTemplate/カッパ杯Summer2024.pptx
+++ b/k2Engine-master/GameTemplate/カッパ杯Summer2024.pptx
@@ -309,7 +309,7 @@
           <a:p>
             <a:fld id="{0BDC4764-F656-4735-9820-9886F8DF1D6A}" type="datetime1">
               <a:rPr lang="en-US" smtClean="0"/>
-              <a:t>7/3/2024</a:t>
+              <a:t>7/4/2024</a:t>
             </a:fld>
             <a:endParaRPr lang="en-US" dirty="0"/>
           </a:p>
@@ -751,7 +751,7 @@
           <a:p>
             <a:fld id="{0BDC4764-F656-4735-9820-9886F8DF1D6A}" type="datetime1">
               <a:rPr lang="en-US" smtClean="0"/>
-              <a:t>7/3/2024</a:t>
+              <a:t>7/4/2024</a:t>
             </a:fld>
             <a:endParaRPr lang="en-US" dirty="0"/>
           </a:p>
@@ -1007,7 +1007,7 @@
           <a:p>
             <a:fld id="{0BDC4764-F656-4735-9820-9886F8DF1D6A}" type="datetime1">
               <a:rPr lang="en-US" smtClean="0"/>
-              <a:t>7/3/2024</a:t>
+              <a:t>7/4/2024</a:t>
             </a:fld>
             <a:endParaRPr lang="en-US" dirty="0"/>
           </a:p>
@@ -1321,7 +1321,7 @@
           <a:p>
             <a:fld id="{0BDC4764-F656-4735-9820-9886F8DF1D6A}" type="datetime1">
               <a:rPr lang="en-US" smtClean="0"/>
-              <a:t>7/3/2024</a:t>
+              <a:t>7/4/2024</a:t>
             </a:fld>
             <a:endParaRPr lang="en-US" dirty="0"/>
           </a:p>
@@ -1645,7 +1645,7 @@
           <a:p>
             <a:fld id="{0BDC4764-F656-4735-9820-9886F8DF1D6A}" type="datetime1">
               <a:rPr lang="en-US" smtClean="0"/>
-              <a:t>7/3/2024</a:t>
+              <a:t>7/4/2024</a:t>
             </a:fld>
             <a:endParaRPr lang="en-US" dirty="0"/>
           </a:p>
@@ -1953,7 +1953,7 @@
           <a:p>
             <a:fld id="{0BDC4764-F656-4735-9820-9886F8DF1D6A}" type="datetime1">
               <a:rPr lang="en-US" smtClean="0"/>
-              <a:t>7/3/2024</a:t>
+              <a:t>7/4/2024</a:t>
             </a:fld>
             <a:endParaRPr lang="en-US" dirty="0"/>
           </a:p>
@@ -2326,7 +2326,7 @@
           <a:p>
             <a:fld id="{0BDC4764-F656-4735-9820-9886F8DF1D6A}" type="datetime1">
               <a:rPr lang="en-US" smtClean="0"/>
-              <a:t>7/3/2024</a:t>
+              <a:t>7/4/2024</a:t>
             </a:fld>
             <a:endParaRPr lang="en-US" dirty="0"/>
           </a:p>
@@ -2538,7 +2538,7 @@
           <a:p>
             <a:fld id="{0BDC4764-F656-4735-9820-9886F8DF1D6A}" type="datetime1">
               <a:rPr lang="en-US" smtClean="0"/>
-              <a:t>7/3/2024</a:t>
+              <a:t>7/4/2024</a:t>
             </a:fld>
             <a:endParaRPr lang="en-US" dirty="0"/>
           </a:p>
@@ -2756,7 +2756,7 @@
           <a:p>
             <a:fld id="{0BDC4764-F656-4735-9820-9886F8DF1D6A}" type="datetime1">
               <a:rPr lang="en-US" smtClean="0"/>
-              <a:t>7/3/2024</a:t>
+              <a:t>7/4/2024</a:t>
             </a:fld>
             <a:endParaRPr lang="en-US" dirty="0"/>
           </a:p>
@@ -2964,7 +2964,7 @@
           <a:p>
             <a:fld id="{0BDC4764-F656-4735-9820-9886F8DF1D6A}" type="datetime1">
               <a:rPr lang="en-US" smtClean="0"/>
-              <a:t>7/3/2024</a:t>
+              <a:t>7/4/2024</a:t>
             </a:fld>
             <a:endParaRPr lang="en-US" dirty="0"/>
           </a:p>
@@ -3220,7 +3220,7 @@
           <a:p>
             <a:fld id="{0BDC4764-F656-4735-9820-9886F8DF1D6A}" type="datetime1">
               <a:rPr lang="en-US" smtClean="0"/>
-              <a:t>7/3/2024</a:t>
+              <a:t>7/4/2024</a:t>
             </a:fld>
             <a:endParaRPr lang="en-US" dirty="0"/>
           </a:p>
@@ -3526,7 +3526,7 @@
           <a:p>
             <a:fld id="{0BDC4764-F656-4735-9820-9886F8DF1D6A}" type="datetime1">
               <a:rPr lang="en-US" smtClean="0"/>
-              <a:t>7/3/2024</a:t>
+              <a:t>7/4/2024</a:t>
             </a:fld>
             <a:endParaRPr lang="en-US" dirty="0"/>
           </a:p>
@@ -3978,7 +3978,7 @@
           <a:p>
             <a:fld id="{0BDC4764-F656-4735-9820-9886F8DF1D6A}" type="datetime1">
               <a:rPr lang="en-US" smtClean="0"/>
-              <a:t>7/3/2024</a:t>
+              <a:t>7/4/2024</a:t>
             </a:fld>
             <a:endParaRPr lang="en-US" dirty="0"/>
           </a:p>
@@ -4102,7 +4102,7 @@
           <a:p>
             <a:fld id="{0BDC4764-F656-4735-9820-9886F8DF1D6A}" type="datetime1">
               <a:rPr lang="en-US" smtClean="0"/>
-              <a:t>7/3/2024</a:t>
+              <a:t>7/4/2024</a:t>
             </a:fld>
             <a:endParaRPr lang="en-US" dirty="0"/>
           </a:p>
@@ -4203,7 +4203,7 @@
           <a:p>
             <a:fld id="{0BDC4764-F656-4735-9820-9886F8DF1D6A}" type="datetime1">
               <a:rPr lang="en-US" smtClean="0"/>
-              <a:t>7/3/2024</a:t>
+              <a:t>7/4/2024</a:t>
             </a:fld>
             <a:endParaRPr lang="en-US" dirty="0"/>
           </a:p>
@@ -4496,7 +4496,7 @@
           <a:p>
             <a:fld id="{0BDC4764-F656-4735-9820-9886F8DF1D6A}" type="datetime1">
               <a:rPr lang="en-US" smtClean="0"/>
-              <a:t>7/3/2024</a:t>
+              <a:t>7/4/2024</a:t>
             </a:fld>
             <a:endParaRPr lang="en-US" dirty="0"/>
           </a:p>
@@ -4785,7 +4785,7 @@
           <a:p>
             <a:fld id="{0BDC4764-F656-4735-9820-9886F8DF1D6A}" type="datetime1">
               <a:rPr lang="en-US" smtClean="0"/>
-              <a:t>7/3/2024</a:t>
+              <a:t>7/4/2024</a:t>
             </a:fld>
             <a:endParaRPr lang="en-US" dirty="0"/>
           </a:p>
@@ -5229,7 +5229,7 @@
           <a:p>
             <a:fld id="{0BDC4764-F656-4735-9820-9886F8DF1D6A}" type="datetime1">
               <a:rPr lang="en-US" smtClean="0"/>
-              <a:t>7/3/2024</a:t>
+              <a:t>7/4/2024</a:t>
             </a:fld>
             <a:endParaRPr lang="en-US" dirty="0"/>
           </a:p>
@@ -7116,38 +7116,41 @@
           </a:p>
         </p:txBody>
       </p:sp>
-      <p:sp>
-        <p:nvSpPr>
-          <p:cNvPr id="3" name="コンテンツ プレースホルダー 2">
+      <p:pic>
+        <p:nvPicPr>
+          <p:cNvPr id="5" name="コンテンツ プレースホルダー 4" descr="カレンダー&#10;&#10;自動的に生成された説明">
             <a:extLst>
               <a:ext uri="{FF2B5EF4-FFF2-40B4-BE49-F238E27FC236}">
-                <a16:creationId xmlns:a16="http://schemas.microsoft.com/office/drawing/2014/main" id="{3B3456FF-FD08-47BA-8B75-219130B90504}"/>
+                <a16:creationId xmlns:a16="http://schemas.microsoft.com/office/drawing/2014/main" id="{A30580A6-5802-28F8-643A-05A68922BC9D}"/>
               </a:ext>
             </a:extLst>
           </p:cNvPr>
-          <p:cNvSpPr>
-            <a:spLocks noGrp="1"/>
-          </p:cNvSpPr>
+          <p:cNvPicPr>
+            <a:picLocks noGrp="1" noChangeAspect="1"/>
+          </p:cNvPicPr>
           <p:nvPr>
             <p:ph idx="1"/>
           </p:nvPr>
-        </p:nvSpPr>
+        </p:nvPicPr>
+        <p:blipFill>
+          <a:blip r:embed="rId2">
+            <a:extLst>
+              <a:ext uri="{28A0092B-C50C-407E-A947-70E740481C1C}">
+                <a14:useLocalDpi xmlns:a14="http://schemas.microsoft.com/office/drawing/2010/main" val="0"/>
+              </a:ext>
+            </a:extLst>
+          </a:blip>
+          <a:stretch>
+            <a:fillRect/>
+          </a:stretch>
+        </p:blipFill>
         <p:spPr>
           <a:xfrm>
-            <a:off x="1663927" y="2633133"/>
-            <a:ext cx="8534400" cy="3615267"/>
+            <a:off x="1663001" y="1577515"/>
+            <a:ext cx="8990922" cy="4670885"/>
           </a:xfrm>
         </p:spPr>
-        <p:txBody>
-          <a:bodyPr>
-            <a:normAutofit/>
-          </a:bodyPr>
-          <a:lstStyle/>
-          <a:p>
-            <a:endParaRPr kumimoji="1" lang="ja-JP" altLang="en-US" dirty="0"/>
-          </a:p>
-        </p:txBody>
-      </p:sp>
+      </p:pic>
       <p:sp>
         <p:nvSpPr>
           <p:cNvPr id="6" name="スライド番号プレースホルダー 5">
@@ -7436,13 +7439,13 @@
         </p:nvSpPr>
         <p:spPr>
           <a:xfrm>
-            <a:off x="1518035" y="1962615"/>
-            <a:ext cx="9841611" cy="4204009"/>
+            <a:off x="302473" y="1717119"/>
+            <a:ext cx="11587053" cy="4421586"/>
           </a:xfrm>
         </p:spPr>
         <p:txBody>
           <a:bodyPr>
-            <a:normAutofit/>
+            <a:noAutofit/>
           </a:bodyPr>
           <a:lstStyle/>
           <a:p>
@@ -7477,7 +7480,7 @@
           <a:p>
             <a:pPr lvl="1"/>
             <a:r>
-              <a:rPr lang="ja-JP" altLang="en-US" sz="3000" dirty="0">
+              <a:rPr lang="ja-JP" altLang="en-US" sz="3600" dirty="0">
                 <a:solidFill>
                   <a:schemeClr val="tx1"/>
                 </a:solidFill>
@@ -7485,7 +7488,7 @@
               <a:t>イカダで流れながら</a:t>
             </a:r>
             <a:r>
-              <a:rPr lang="ja-JP" altLang="en-US" sz="3000" dirty="0">
+              <a:rPr lang="ja-JP" altLang="en-US" sz="3600" dirty="0">
                 <a:solidFill>
                   <a:srgbClr val="FFFF00"/>
                 </a:solidFill>
@@ -7493,14 +7496,14 @@
               <a:t>ゴール</a:t>
             </a:r>
             <a:r>
-              <a:rPr lang="ja-JP" altLang="en-US" sz="3000" dirty="0">
+              <a:rPr lang="ja-JP" altLang="en-US" sz="3600" dirty="0">
                 <a:solidFill>
                   <a:schemeClr val="tx1"/>
                 </a:solidFill>
               </a:rPr>
               <a:t>を目指すゲーム</a:t>
             </a:r>
-            <a:endParaRPr lang="en-US" altLang="ja-JP" sz="3000" dirty="0">
+            <a:endParaRPr lang="en-US" altLang="ja-JP" sz="3600" dirty="0">
               <a:solidFill>
                 <a:schemeClr val="tx1"/>
               </a:solidFill>
@@ -7509,7 +7512,7 @@
           <a:p>
             <a:pPr lvl="1"/>
             <a:r>
-              <a:rPr kumimoji="1" lang="ja-JP" altLang="en-US" sz="3000" dirty="0">
+              <a:rPr kumimoji="1" lang="ja-JP" altLang="en-US" sz="3600" dirty="0">
                 <a:solidFill>
                   <a:schemeClr val="accent6">
                     <a:lumMod val="75000"/>
@@ -7519,7 +7522,7 @@
               <a:t>攻撃してくる敵</a:t>
             </a:r>
             <a:r>
-              <a:rPr kumimoji="1" lang="ja-JP" altLang="en-US" sz="3000" dirty="0">
+              <a:rPr kumimoji="1" lang="ja-JP" altLang="en-US" sz="3600" dirty="0">
                 <a:solidFill>
                   <a:schemeClr val="tx1"/>
                 </a:solidFill>
@@ -7527,7 +7530,7 @@
               <a:t>を倒しながら</a:t>
             </a:r>
             <a:r>
-              <a:rPr kumimoji="1" lang="ja-JP" altLang="en-US" sz="3000" dirty="0">
+              <a:rPr kumimoji="1" lang="ja-JP" altLang="en-US" sz="3600" dirty="0">
                 <a:solidFill>
                   <a:srgbClr val="FFFF00"/>
                 </a:solidFill>
@@ -7535,14 +7538,14 @@
               <a:t>ゴール</a:t>
             </a:r>
             <a:r>
-              <a:rPr kumimoji="1" lang="ja-JP" altLang="en-US" sz="3000" dirty="0">
+              <a:rPr kumimoji="1" lang="ja-JP" altLang="en-US" sz="3600" dirty="0">
                 <a:solidFill>
                   <a:schemeClr val="tx1"/>
                 </a:solidFill>
               </a:rPr>
               <a:t>を目指す</a:t>
             </a:r>
-            <a:endParaRPr kumimoji="1" lang="en-US" altLang="ja-JP" sz="3000" dirty="0">
+            <a:endParaRPr kumimoji="1" lang="en-US" altLang="ja-JP" sz="3600" dirty="0">
               <a:solidFill>
                 <a:schemeClr val="tx1"/>
               </a:solidFill>
@@ -7551,7 +7554,7 @@
           <a:p>
             <a:pPr lvl="1"/>
             <a:r>
-              <a:rPr lang="ja-JP" altLang="en-US" sz="3000" dirty="0">
+              <a:rPr lang="ja-JP" altLang="en-US" sz="3600" dirty="0">
                 <a:solidFill>
                   <a:schemeClr val="tx1"/>
                 </a:solidFill>
@@ -7559,7 +7562,7 @@
               <a:t>途中にある</a:t>
             </a:r>
             <a:r>
-              <a:rPr lang="ja-JP" altLang="en-US" sz="3000" dirty="0">
+              <a:rPr lang="ja-JP" altLang="en-US" sz="3600" dirty="0">
                 <a:solidFill>
                   <a:schemeClr val="tx1">
                     <a:lumMod val="75000"/>
@@ -7569,7 +7572,7 @@
               <a:t>岩</a:t>
             </a:r>
             <a:r>
-              <a:rPr lang="ja-JP" altLang="en-US" sz="3000" dirty="0">
+              <a:rPr lang="ja-JP" altLang="en-US" sz="3600" dirty="0">
                 <a:solidFill>
                   <a:schemeClr val="tx1"/>
                 </a:solidFill>
@@ -7577,7 +7580,7 @@
               <a:t>に当たると</a:t>
             </a:r>
             <a:r>
-              <a:rPr lang="ja-JP" altLang="en-US" sz="3000" dirty="0">
+              <a:rPr lang="ja-JP" altLang="en-US" sz="3600" dirty="0">
                 <a:solidFill>
                   <a:schemeClr val="accent6">
                     <a:lumMod val="75000"/>
@@ -7587,14 +7590,14 @@
               <a:t>ダメージ</a:t>
             </a:r>
             <a:r>
-              <a:rPr lang="ja-JP" altLang="en-US" sz="3000" dirty="0">
+              <a:rPr lang="ja-JP" altLang="en-US" sz="3600" dirty="0">
                 <a:solidFill>
                   <a:schemeClr val="tx1"/>
                 </a:solidFill>
               </a:rPr>
               <a:t>を受けてしまう</a:t>
             </a:r>
-            <a:endParaRPr lang="en-US" altLang="ja-JP" sz="3000" dirty="0">
+            <a:endParaRPr lang="en-US" altLang="ja-JP" sz="3600" dirty="0">
               <a:solidFill>
                 <a:schemeClr val="tx1"/>
               </a:solidFill>
@@ -7603,7 +7606,7 @@
           <a:p>
             <a:pPr lvl="1"/>
             <a:r>
-              <a:rPr kumimoji="1" lang="ja-JP" altLang="en-US" sz="3000" dirty="0">
+              <a:rPr kumimoji="1" lang="ja-JP" altLang="en-US" sz="3600" dirty="0">
                 <a:solidFill>
                   <a:schemeClr val="tx1"/>
                 </a:solidFill>
@@ -7611,7 +7614,7 @@
               <a:t>ゴールするとスコアによって</a:t>
             </a:r>
             <a:r>
-              <a:rPr kumimoji="1" lang="ja-JP" altLang="en-US" sz="3000" dirty="0">
+              <a:rPr kumimoji="1" lang="ja-JP" altLang="en-US" sz="3600" dirty="0">
                 <a:solidFill>
                   <a:srgbClr val="FFFF00"/>
                 </a:solidFill>
@@ -7619,7 +7622,7 @@
               <a:t>クリアランク</a:t>
             </a:r>
             <a:r>
-              <a:rPr kumimoji="1" lang="ja-JP" altLang="en-US" sz="3000" dirty="0">
+              <a:rPr kumimoji="1" lang="ja-JP" altLang="en-US" sz="3600" dirty="0">
                 <a:solidFill>
                   <a:schemeClr val="tx1"/>
                 </a:solidFill>
@@ -7685,13 +7688,13 @@
   <p:clrMapOvr>
     <a:masterClrMapping/>
   </p:clrMapOvr>
-  <mc:AlternateContent xmlns:mc="http://schemas.openxmlformats.org/markup-compatibility/2006" xmlns:p14="http://schemas.microsoft.com/office/powerpoint/2010/main">
-    <mc:Choice Requires="p14">
+  <mc:AlternateContent xmlns:mc="http://schemas.openxmlformats.org/markup-compatibility/2006">
+    <mc:Choice xmlns:p14="http://schemas.microsoft.com/office/powerpoint/2010/main" Requires="p14">
       <p:transition spd="slow" p14:dur="1400">
         <p14:ripple/>
       </p:transition>
     </mc:Choice>
-    <mc:Fallback xmlns="">
+    <mc:Fallback>
       <p:transition spd="slow">
         <p:fade/>
       </p:transition>
@@ -8833,6 +8836,18 @@
   <p:clrMapOvr>
     <a:masterClrMapping/>
   </p:clrMapOvr>
+  <mc:AlternateContent xmlns:mc="http://schemas.openxmlformats.org/markup-compatibility/2006">
+    <mc:Choice xmlns:p14="http://schemas.microsoft.com/office/powerpoint/2010/main" Requires="p14">
+      <p:transition spd="slow" p14:dur="1400">
+        <p14:ripple/>
+      </p:transition>
+    </mc:Choice>
+    <mc:Fallback>
+      <p:transition spd="slow">
+        <p:fade/>
+      </p:transition>
+    </mc:Fallback>
+  </mc:AlternateContent>
   <p:timing>
     <p:tnLst>
       <p:par>
